--- a/2022/5月_爸媽我愛您.pptx
+++ b/2022/5月_爸媽我愛您.pptx
@@ -6,11 +6,9 @@
   </p:sldMasterIdLst>
   <p:sldIdLst>
     <p:sldId id="257" r:id="rId2"/>
-    <p:sldId id="258" r:id="rId3"/>
-    <p:sldId id="259" r:id="rId4"/>
-    <p:sldId id="260" r:id="rId5"/>
-    <p:sldId id="261" r:id="rId6"/>
-    <p:sldId id="262" r:id="rId7"/>
+    <p:sldId id="259" r:id="rId3"/>
+    <p:sldId id="260" r:id="rId4"/>
+    <p:sldId id="261" r:id="rId5"/>
   </p:sldIdLst>
   <p:sldSz cx="12192000" cy="6858000"/>
   <p:notesSz cx="6858000" cy="9144000"/>
@@ -111,7 +109,7 @@
   </p:defaultTextStyle>
   <p:extLst>
     <p:ext uri="{EFAFB233-063F-42B5-8137-9DF3F51BA10A}">
-      <p15:sldGuideLst xmlns:p15="http://schemas.microsoft.com/office/powerpoint/2012/main"/>
+      <p15:sldGuideLst xmlns:p15="http://schemas.microsoft.com/office/powerpoint/2012/main" xmlns=""/>
     </p:ext>
   </p:extLst>
 </p:presentation>
@@ -298,7 +296,8 @@
           <a:p>
             <a:fld id="{BD993AFC-1180-4318-B633-A37DB05191E7}" type="datetimeFigureOut">
               <a:rPr lang="vi-VN" smtClean="0"/>
-              <a:t>01/01/2022</a:t>
+              <a:pPr/>
+              <a:t>01/05/2022</a:t>
             </a:fld>
             <a:endParaRPr lang="vi-VN"/>
           </a:p>
@@ -340,6 +339,7 @@
           <a:p>
             <a:fld id="{896654CD-07FC-4B32-85BB-D66759D7009C}" type="slidenum">
               <a:rPr lang="vi-VN" smtClean="0"/>
+              <a:pPr/>
               <a:t>‹#›</a:t>
             </a:fld>
             <a:endParaRPr lang="vi-VN"/>
@@ -349,7 +349,7 @@
     </p:spTree>
     <p:extLst>
       <p:ext uri="{BB962C8B-B14F-4D97-AF65-F5344CB8AC3E}">
-        <p14:creationId xmlns:p14="http://schemas.microsoft.com/office/powerpoint/2010/main" val="457021401"/>
+        <p14:creationId xmlns:p14="http://schemas.microsoft.com/office/powerpoint/2010/main" xmlns="" val="457021401"/>
       </p:ext>
     </p:extLst>
   </p:cSld>
@@ -468,7 +468,8 @@
           <a:p>
             <a:fld id="{BD993AFC-1180-4318-B633-A37DB05191E7}" type="datetimeFigureOut">
               <a:rPr lang="vi-VN" smtClean="0"/>
-              <a:t>01/01/2022</a:t>
+              <a:pPr/>
+              <a:t>01/05/2022</a:t>
             </a:fld>
             <a:endParaRPr lang="vi-VN"/>
           </a:p>
@@ -510,6 +511,7 @@
           <a:p>
             <a:fld id="{896654CD-07FC-4B32-85BB-D66759D7009C}" type="slidenum">
               <a:rPr lang="vi-VN" smtClean="0"/>
+              <a:pPr/>
               <a:t>‹#›</a:t>
             </a:fld>
             <a:endParaRPr lang="vi-VN"/>
@@ -519,7 +521,7 @@
     </p:spTree>
     <p:extLst>
       <p:ext uri="{BB962C8B-B14F-4D97-AF65-F5344CB8AC3E}">
-        <p14:creationId xmlns:p14="http://schemas.microsoft.com/office/powerpoint/2010/main" val="916128890"/>
+        <p14:creationId xmlns:p14="http://schemas.microsoft.com/office/powerpoint/2010/main" xmlns="" val="916128890"/>
       </p:ext>
     </p:extLst>
   </p:cSld>
@@ -648,7 +650,8 @@
           <a:p>
             <a:fld id="{BD993AFC-1180-4318-B633-A37DB05191E7}" type="datetimeFigureOut">
               <a:rPr lang="vi-VN" smtClean="0"/>
-              <a:t>01/01/2022</a:t>
+              <a:pPr/>
+              <a:t>01/05/2022</a:t>
             </a:fld>
             <a:endParaRPr lang="vi-VN"/>
           </a:p>
@@ -690,6 +693,7 @@
           <a:p>
             <a:fld id="{896654CD-07FC-4B32-85BB-D66759D7009C}" type="slidenum">
               <a:rPr lang="vi-VN" smtClean="0"/>
+              <a:pPr/>
               <a:t>‹#›</a:t>
             </a:fld>
             <a:endParaRPr lang="vi-VN"/>
@@ -699,7 +703,7 @@
     </p:spTree>
     <p:extLst>
       <p:ext uri="{BB962C8B-B14F-4D97-AF65-F5344CB8AC3E}">
-        <p14:creationId xmlns:p14="http://schemas.microsoft.com/office/powerpoint/2010/main" val="3392264425"/>
+        <p14:creationId xmlns:p14="http://schemas.microsoft.com/office/powerpoint/2010/main" xmlns="" val="3392264425"/>
       </p:ext>
     </p:extLst>
   </p:cSld>
@@ -818,7 +822,8 @@
           <a:p>
             <a:fld id="{BD993AFC-1180-4318-B633-A37DB05191E7}" type="datetimeFigureOut">
               <a:rPr lang="vi-VN" smtClean="0"/>
-              <a:t>01/01/2022</a:t>
+              <a:pPr/>
+              <a:t>01/05/2022</a:t>
             </a:fld>
             <a:endParaRPr lang="vi-VN"/>
           </a:p>
@@ -860,6 +865,7 @@
           <a:p>
             <a:fld id="{896654CD-07FC-4B32-85BB-D66759D7009C}" type="slidenum">
               <a:rPr lang="vi-VN" smtClean="0"/>
+              <a:pPr/>
               <a:t>‹#›</a:t>
             </a:fld>
             <a:endParaRPr lang="vi-VN"/>
@@ -869,7 +875,7 @@
     </p:spTree>
     <p:extLst>
       <p:ext uri="{BB962C8B-B14F-4D97-AF65-F5344CB8AC3E}">
-        <p14:creationId xmlns:p14="http://schemas.microsoft.com/office/powerpoint/2010/main" val="2257777928"/>
+        <p14:creationId xmlns:p14="http://schemas.microsoft.com/office/powerpoint/2010/main" xmlns="" val="2257777928"/>
       </p:ext>
     </p:extLst>
   </p:cSld>
@@ -1064,7 +1070,8 @@
           <a:p>
             <a:fld id="{BD993AFC-1180-4318-B633-A37DB05191E7}" type="datetimeFigureOut">
               <a:rPr lang="vi-VN" smtClean="0"/>
-              <a:t>01/01/2022</a:t>
+              <a:pPr/>
+              <a:t>01/05/2022</a:t>
             </a:fld>
             <a:endParaRPr lang="vi-VN"/>
           </a:p>
@@ -1106,6 +1113,7 @@
           <a:p>
             <a:fld id="{896654CD-07FC-4B32-85BB-D66759D7009C}" type="slidenum">
               <a:rPr lang="vi-VN" smtClean="0"/>
+              <a:pPr/>
               <a:t>‹#›</a:t>
             </a:fld>
             <a:endParaRPr lang="vi-VN"/>
@@ -1115,7 +1123,7 @@
     </p:spTree>
     <p:extLst>
       <p:ext uri="{BB962C8B-B14F-4D97-AF65-F5344CB8AC3E}">
-        <p14:creationId xmlns:p14="http://schemas.microsoft.com/office/powerpoint/2010/main" val="454575696"/>
+        <p14:creationId xmlns:p14="http://schemas.microsoft.com/office/powerpoint/2010/main" xmlns="" val="454575696"/>
       </p:ext>
     </p:extLst>
   </p:cSld>
@@ -1352,7 +1360,8 @@
           <a:p>
             <a:fld id="{BD993AFC-1180-4318-B633-A37DB05191E7}" type="datetimeFigureOut">
               <a:rPr lang="vi-VN" smtClean="0"/>
-              <a:t>01/01/2022</a:t>
+              <a:pPr/>
+              <a:t>01/05/2022</a:t>
             </a:fld>
             <a:endParaRPr lang="vi-VN"/>
           </a:p>
@@ -1394,6 +1403,7 @@
           <a:p>
             <a:fld id="{896654CD-07FC-4B32-85BB-D66759D7009C}" type="slidenum">
               <a:rPr lang="vi-VN" smtClean="0"/>
+              <a:pPr/>
               <a:t>‹#›</a:t>
             </a:fld>
             <a:endParaRPr lang="vi-VN"/>
@@ -1403,7 +1413,7 @@
     </p:spTree>
     <p:extLst>
       <p:ext uri="{BB962C8B-B14F-4D97-AF65-F5344CB8AC3E}">
-        <p14:creationId xmlns:p14="http://schemas.microsoft.com/office/powerpoint/2010/main" val="2065134424"/>
+        <p14:creationId xmlns:p14="http://schemas.microsoft.com/office/powerpoint/2010/main" xmlns="" val="2065134424"/>
       </p:ext>
     </p:extLst>
   </p:cSld>
@@ -1774,7 +1784,8 @@
           <a:p>
             <a:fld id="{BD993AFC-1180-4318-B633-A37DB05191E7}" type="datetimeFigureOut">
               <a:rPr lang="vi-VN" smtClean="0"/>
-              <a:t>01/01/2022</a:t>
+              <a:pPr/>
+              <a:t>01/05/2022</a:t>
             </a:fld>
             <a:endParaRPr lang="vi-VN"/>
           </a:p>
@@ -1816,6 +1827,7 @@
           <a:p>
             <a:fld id="{896654CD-07FC-4B32-85BB-D66759D7009C}" type="slidenum">
               <a:rPr lang="vi-VN" smtClean="0"/>
+              <a:pPr/>
               <a:t>‹#›</a:t>
             </a:fld>
             <a:endParaRPr lang="vi-VN"/>
@@ -1825,7 +1837,7 @@
     </p:spTree>
     <p:extLst>
       <p:ext uri="{BB962C8B-B14F-4D97-AF65-F5344CB8AC3E}">
-        <p14:creationId xmlns:p14="http://schemas.microsoft.com/office/powerpoint/2010/main" val="434635810"/>
+        <p14:creationId xmlns:p14="http://schemas.microsoft.com/office/powerpoint/2010/main" xmlns="" val="434635810"/>
       </p:ext>
     </p:extLst>
   </p:cSld>
@@ -1892,7 +1904,8 @@
           <a:p>
             <a:fld id="{BD993AFC-1180-4318-B633-A37DB05191E7}" type="datetimeFigureOut">
               <a:rPr lang="vi-VN" smtClean="0"/>
-              <a:t>01/01/2022</a:t>
+              <a:pPr/>
+              <a:t>01/05/2022</a:t>
             </a:fld>
             <a:endParaRPr lang="vi-VN"/>
           </a:p>
@@ -1934,6 +1947,7 @@
           <a:p>
             <a:fld id="{896654CD-07FC-4B32-85BB-D66759D7009C}" type="slidenum">
               <a:rPr lang="vi-VN" smtClean="0"/>
+              <a:pPr/>
               <a:t>‹#›</a:t>
             </a:fld>
             <a:endParaRPr lang="vi-VN"/>
@@ -1943,7 +1957,7 @@
     </p:spTree>
     <p:extLst>
       <p:ext uri="{BB962C8B-B14F-4D97-AF65-F5344CB8AC3E}">
-        <p14:creationId xmlns:p14="http://schemas.microsoft.com/office/powerpoint/2010/main" val="3371486001"/>
+        <p14:creationId xmlns:p14="http://schemas.microsoft.com/office/powerpoint/2010/main" xmlns="" val="3371486001"/>
       </p:ext>
     </p:extLst>
   </p:cSld>
@@ -1987,7 +2001,8 @@
           <a:p>
             <a:fld id="{BD993AFC-1180-4318-B633-A37DB05191E7}" type="datetimeFigureOut">
               <a:rPr lang="vi-VN" smtClean="0"/>
-              <a:t>01/01/2022</a:t>
+              <a:pPr/>
+              <a:t>01/05/2022</a:t>
             </a:fld>
             <a:endParaRPr lang="vi-VN"/>
           </a:p>
@@ -2029,6 +2044,7 @@
           <a:p>
             <a:fld id="{896654CD-07FC-4B32-85BB-D66759D7009C}" type="slidenum">
               <a:rPr lang="vi-VN" smtClean="0"/>
+              <a:pPr/>
               <a:t>‹#›</a:t>
             </a:fld>
             <a:endParaRPr lang="vi-VN"/>
@@ -2038,7 +2054,7 @@
     </p:spTree>
     <p:extLst>
       <p:ext uri="{BB962C8B-B14F-4D97-AF65-F5344CB8AC3E}">
-        <p14:creationId xmlns:p14="http://schemas.microsoft.com/office/powerpoint/2010/main" val="4123182573"/>
+        <p14:creationId xmlns:p14="http://schemas.microsoft.com/office/powerpoint/2010/main" xmlns="" val="4123182573"/>
       </p:ext>
     </p:extLst>
   </p:cSld>
@@ -2264,7 +2280,8 @@
           <a:p>
             <a:fld id="{BD993AFC-1180-4318-B633-A37DB05191E7}" type="datetimeFigureOut">
               <a:rPr lang="vi-VN" smtClean="0"/>
-              <a:t>01/01/2022</a:t>
+              <a:pPr/>
+              <a:t>01/05/2022</a:t>
             </a:fld>
             <a:endParaRPr lang="vi-VN"/>
           </a:p>
@@ -2306,6 +2323,7 @@
           <a:p>
             <a:fld id="{896654CD-07FC-4B32-85BB-D66759D7009C}" type="slidenum">
               <a:rPr lang="vi-VN" smtClean="0"/>
+              <a:pPr/>
               <a:t>‹#›</a:t>
             </a:fld>
             <a:endParaRPr lang="vi-VN"/>
@@ -2315,7 +2333,7 @@
     </p:spTree>
     <p:extLst>
       <p:ext uri="{BB962C8B-B14F-4D97-AF65-F5344CB8AC3E}">
-        <p14:creationId xmlns:p14="http://schemas.microsoft.com/office/powerpoint/2010/main" val="68591616"/>
+        <p14:creationId xmlns:p14="http://schemas.microsoft.com/office/powerpoint/2010/main" xmlns="" val="68591616"/>
       </p:ext>
     </p:extLst>
   </p:cSld>
@@ -2521,7 +2539,8 @@
           <a:p>
             <a:fld id="{BD993AFC-1180-4318-B633-A37DB05191E7}" type="datetimeFigureOut">
               <a:rPr lang="vi-VN" smtClean="0"/>
-              <a:t>01/01/2022</a:t>
+              <a:pPr/>
+              <a:t>01/05/2022</a:t>
             </a:fld>
             <a:endParaRPr lang="vi-VN"/>
           </a:p>
@@ -2563,6 +2582,7 @@
           <a:p>
             <a:fld id="{896654CD-07FC-4B32-85BB-D66759D7009C}" type="slidenum">
               <a:rPr lang="vi-VN" smtClean="0"/>
+              <a:pPr/>
               <a:t>‹#›</a:t>
             </a:fld>
             <a:endParaRPr lang="vi-VN"/>
@@ -2572,7 +2592,7 @@
     </p:spTree>
     <p:extLst>
       <p:ext uri="{BB962C8B-B14F-4D97-AF65-F5344CB8AC3E}">
-        <p14:creationId xmlns:p14="http://schemas.microsoft.com/office/powerpoint/2010/main" val="430097095"/>
+        <p14:creationId xmlns:p14="http://schemas.microsoft.com/office/powerpoint/2010/main" xmlns="" val="430097095"/>
       </p:ext>
     </p:extLst>
   </p:cSld>
@@ -2739,7 +2759,8 @@
           <a:p>
             <a:fld id="{BD993AFC-1180-4318-B633-A37DB05191E7}" type="datetimeFigureOut">
               <a:rPr lang="vi-VN" smtClean="0"/>
-              <a:t>01/01/2022</a:t>
+              <a:pPr/>
+              <a:t>01/05/2022</a:t>
             </a:fld>
             <a:endParaRPr lang="vi-VN"/>
           </a:p>
@@ -2817,6 +2838,7 @@
           <a:p>
             <a:fld id="{896654CD-07FC-4B32-85BB-D66759D7009C}" type="slidenum">
               <a:rPr lang="vi-VN" smtClean="0"/>
+              <a:pPr/>
               <a:t>‹#›</a:t>
             </a:fld>
             <a:endParaRPr lang="vi-VN"/>
@@ -2826,7 +2848,7 @@
     </p:spTree>
     <p:extLst>
       <p:ext uri="{BB962C8B-B14F-4D97-AF65-F5344CB8AC3E}">
-        <p14:creationId xmlns:p14="http://schemas.microsoft.com/office/powerpoint/2010/main" val="4281599805"/>
+        <p14:creationId xmlns:p14="http://schemas.microsoft.com/office/powerpoint/2010/main" xmlns="" val="4281599805"/>
       </p:ext>
     </p:extLst>
   </p:cSld>
@@ -3249,13 +3271,20 @@
     </p:spTree>
     <p:extLst>
       <p:ext uri="{BB962C8B-B14F-4D97-AF65-F5344CB8AC3E}">
-        <p14:creationId xmlns:p14="http://schemas.microsoft.com/office/powerpoint/2010/main" val="219923092"/>
+        <p14:creationId xmlns:p14="http://schemas.microsoft.com/office/powerpoint/2010/main" xmlns="" val="219923092"/>
       </p:ext>
     </p:extLst>
   </p:cSld>
   <p:clrMapOvr>
     <a:masterClrMapping/>
   </p:clrMapOvr>
+  <p:timing>
+    <p:tnLst>
+      <p:par>
+        <p:cTn id="1" dur="indefinite" restart="never" nodeType="tmRoot"/>
+      </p:par>
+    </p:tnLst>
+  </p:timing>
 </p:sld>
 </file>
 
@@ -3327,12 +3356,14 @@
               <a:buNone/>
             </a:pPr>
             <a:r>
-              <a:rPr lang="zh-CN" altLang="en-US" sz="5400" b="1" dirty="0">
+              <a:rPr lang="zh-CN" altLang="en-US" sz="5400" b="1" dirty="0" smtClean="0">
+                <a:latin typeface="Microsoft JhengHei" panose="020B0604030504040204" pitchFamily="34" charset="-120"/>
                 <a:ea typeface="Microsoft JhengHei" panose="020B0604030504040204" pitchFamily="34" charset="-120"/>
               </a:rPr>
-              <a:t>天天照料我  </a:t>
+              <a:t>他工作不會多停留</a:t>
             </a:r>
             <a:endParaRPr lang="en-US" altLang="zh-CN" sz="5400" b="1" dirty="0" smtClean="0">
+              <a:latin typeface="Microsoft JhengHei" panose="020B0604030504040204" pitchFamily="34" charset="-120"/>
               <a:ea typeface="Microsoft JhengHei" panose="020B0604030504040204" pitchFamily="34" charset="-120"/>
             </a:endParaRPr>
           </a:p>
@@ -3341,24 +3372,35 @@
               <a:buNone/>
             </a:pPr>
             <a:r>
-              <a:rPr lang="zh-CN" altLang="en-US" sz="5400" b="1" dirty="0" smtClean="0">
+              <a:rPr lang="zh-CN" altLang="en-US" sz="5400" b="1" dirty="0">
+                <a:latin typeface="Microsoft JhengHei" panose="020B0604030504040204" pitchFamily="34" charset="-120"/>
                 <a:ea typeface="Microsoft JhengHei" panose="020B0604030504040204" pitchFamily="34" charset="-120"/>
               </a:rPr>
-              <a:t>每</a:t>
-            </a:r>
-            <a:r>
-              <a:rPr lang="zh-CN" altLang="en-US" sz="5400" b="1" dirty="0">
+              <a:t>只</a:t>
+            </a:r>
+            <a:r>
+              <a:rPr lang="zh-CN" altLang="en-US" sz="5400" b="1" dirty="0" smtClean="0">
+                <a:latin typeface="Microsoft JhengHei" panose="020B0604030504040204" pitchFamily="34" charset="-120"/>
                 <a:ea typeface="Microsoft JhengHei" panose="020B0604030504040204" pitchFamily="34" charset="-120"/>
               </a:rPr>
-              <a:t>日</a:t>
-            </a:r>
-            <a:r>
-              <a:rPr lang="zh-CN" altLang="en-US" sz="5400" b="1" dirty="0" smtClean="0">
+              <a:t>求孩子</a:t>
+            </a:r>
+            <a:r>
+              <a:rPr lang="zh-CN" altLang="en-US" sz="5400" b="1" smtClean="0">
+                <a:latin typeface="Microsoft JhengHei" panose="020B0604030504040204" pitchFamily="34" charset="-120"/>
                 <a:ea typeface="Microsoft JhengHei" panose="020B0604030504040204" pitchFamily="34" charset="-120"/>
               </a:rPr>
-              <a:t>循循地教導我</a:t>
+              <a:t>天天都足</a:t>
+            </a:r>
+            <a:r>
+              <a:rPr lang="zh-CN" altLang="en-US" sz="5400" b="1" dirty="0" smtClean="0">
+                <a:latin typeface="Microsoft JhengHei" panose="020B0604030504040204" pitchFamily="34" charset="-120"/>
+                <a:ea typeface="Microsoft JhengHei" panose="020B0604030504040204" pitchFamily="34" charset="-120"/>
+              </a:rPr>
+              <a:t>夠</a:t>
             </a:r>
             <a:endParaRPr lang="en-US" altLang="zh-CN" sz="5400" b="1" dirty="0" smtClean="0">
+              <a:latin typeface="Microsoft JhengHei" panose="020B0604030504040204" pitchFamily="34" charset="-120"/>
               <a:ea typeface="Microsoft JhengHei" panose="020B0604030504040204" pitchFamily="34" charset="-120"/>
             </a:endParaRPr>
           </a:p>
@@ -3368,17 +3410,20 @@
             </a:pPr>
             <a:r>
               <a:rPr lang="zh-CN" altLang="en-US" sz="5400" b="1" dirty="0">
+                <a:latin typeface="Microsoft JhengHei" panose="020B0604030504040204" pitchFamily="34" charset="-120"/>
                 <a:ea typeface="Microsoft JhengHei" panose="020B0604030504040204" pitchFamily="34" charset="-120"/>
               </a:rPr>
-              <a:t>謝</a:t>
+              <a:t>給</a:t>
             </a:r>
             <a:r>
               <a:rPr lang="zh-CN" altLang="en-US" sz="5400" b="1" dirty="0" smtClean="0">
+                <a:latin typeface="Microsoft JhengHei" panose="020B0604030504040204" pitchFamily="34" charset="-120"/>
                 <a:ea typeface="Microsoft JhengHei" panose="020B0604030504040204" pitchFamily="34" charset="-120"/>
               </a:rPr>
-              <a:t>謝天父賜給我 </a:t>
+              <a:t>我飽暖無擔憂</a:t>
             </a:r>
             <a:endParaRPr lang="en-US" altLang="zh-CN" sz="5400" b="1" dirty="0" smtClean="0">
+              <a:latin typeface="Microsoft JhengHei" panose="020B0604030504040204" pitchFamily="34" charset="-120"/>
               <a:ea typeface="Microsoft JhengHei" panose="020B0604030504040204" pitchFamily="34" charset="-120"/>
             </a:endParaRPr>
           </a:p>
@@ -3387,10 +3432,25 @@
               <a:buNone/>
             </a:pPr>
             <a:r>
-              <a:rPr lang="zh-CN" altLang="en-US" sz="5400" b="1" dirty="0" smtClean="0">
+              <a:rPr lang="en-US" sz="5400" b="1" dirty="0" smtClean="0">
+                <a:latin typeface="Microsoft JhengHei" panose="020B0604030504040204" pitchFamily="34" charset="-120"/>
                 <a:ea typeface="Microsoft JhengHei" panose="020B0604030504040204" pitchFamily="34" charset="-120"/>
               </a:rPr>
-              <a:t>爸媽無窮盡的愛</a:t>
+              <a:t>OH </a:t>
+            </a:r>
+            <a:r>
+              <a:rPr lang="zh-CN" altLang="en-US" sz="5400" b="1" dirty="0">
+                <a:latin typeface="Microsoft JhengHei" panose="020B0604030504040204" pitchFamily="34" charset="-120"/>
+                <a:ea typeface="Microsoft JhengHei" panose="020B0604030504040204" pitchFamily="34" charset="-120"/>
+              </a:rPr>
+              <a:t>嗲</a:t>
+            </a:r>
+            <a:r>
+              <a:rPr lang="zh-CN" altLang="en-US" sz="5400" b="1" dirty="0" smtClean="0">
+                <a:latin typeface="Microsoft JhengHei" panose="020B0604030504040204" pitchFamily="34" charset="-120"/>
+                <a:ea typeface="Microsoft JhengHei" panose="020B0604030504040204" pitchFamily="34" charset="-120"/>
+              </a:rPr>
+              <a:t>地多謝你</a:t>
             </a:r>
             <a:endParaRPr lang="vi-VN" sz="5400" b="1" dirty="0">
               <a:ea typeface="Microsoft JhengHei" panose="020B0604030504040204" pitchFamily="34" charset="-120"/>
@@ -3401,13 +3461,20 @@
     </p:spTree>
     <p:extLst>
       <p:ext uri="{BB962C8B-B14F-4D97-AF65-F5344CB8AC3E}">
-        <p14:creationId xmlns:p14="http://schemas.microsoft.com/office/powerpoint/2010/main" val="415539383"/>
+        <p14:creationId xmlns:p14="http://schemas.microsoft.com/office/powerpoint/2010/main" xmlns="" val="3127472612"/>
       </p:ext>
     </p:extLst>
   </p:cSld>
   <p:clrMapOvr>
     <a:masterClrMapping/>
   </p:clrMapOvr>
+  <p:timing>
+    <p:tnLst>
+      <p:par>
+        <p:cTn id="1" dur="indefinite" restart="never" nodeType="tmRoot"/>
+      </p:par>
+    </p:tnLst>
+  </p:timing>
 </p:sld>
 </file>
 
@@ -3479,14 +3546,12 @@
               <a:buNone/>
             </a:pPr>
             <a:r>
-              <a:rPr lang="zh-CN" altLang="en-US" sz="5400" b="1" dirty="0" smtClean="0">
-                <a:latin typeface="Microsoft JhengHei" panose="020B0604030504040204" pitchFamily="34" charset="-120"/>
+              <a:rPr lang="zh-CN" altLang="en-US" sz="5400" b="1" dirty="0">
                 <a:ea typeface="Microsoft JhengHei" panose="020B0604030504040204" pitchFamily="34" charset="-120"/>
               </a:rPr>
-              <a:t>他工作不會多停留</a:t>
+              <a:t>天天照料我  </a:t>
             </a:r>
             <a:endParaRPr lang="en-US" altLang="zh-CN" sz="5400" b="1" dirty="0" smtClean="0">
-              <a:latin typeface="Microsoft JhengHei" panose="020B0604030504040204" pitchFamily="34" charset="-120"/>
               <a:ea typeface="Microsoft JhengHei" panose="020B0604030504040204" pitchFamily="34" charset="-120"/>
             </a:endParaRPr>
           </a:p>
@@ -3495,42 +3560,44 @@
               <a:buNone/>
             </a:pPr>
             <a:r>
-              <a:rPr lang="zh-CN" altLang="en-US" sz="5400" b="1" dirty="0">
-                <a:latin typeface="Microsoft JhengHei" panose="020B0604030504040204" pitchFamily="34" charset="-120"/>
+              <a:rPr lang="zh-CN" altLang="en-US" sz="5400" b="1" dirty="0" smtClean="0">
                 <a:ea typeface="Microsoft JhengHei" panose="020B0604030504040204" pitchFamily="34" charset="-120"/>
               </a:rPr>
-              <a:t>只</a:t>
-            </a:r>
-            <a:r>
-              <a:rPr lang="zh-CN" altLang="en-US" sz="5400" b="1" dirty="0" smtClean="0">
-                <a:latin typeface="Microsoft JhengHei" panose="020B0604030504040204" pitchFamily="34" charset="-120"/>
+              <a:t>每</a:t>
+            </a:r>
+            <a:r>
+              <a:rPr lang="zh-CN" altLang="en-US" sz="5400" b="1" dirty="0">
                 <a:ea typeface="Microsoft JhengHei" panose="020B0604030504040204" pitchFamily="34" charset="-120"/>
               </a:rPr>
-              <a:t>求孩子</a:t>
-            </a:r>
-            <a:r>
-              <a:rPr lang="zh-CN" altLang="en-US" sz="5400" b="1" smtClean="0">
-                <a:latin typeface="Microsoft JhengHei" panose="020B0604030504040204" pitchFamily="34" charset="-120"/>
+              <a:t>日</a:t>
+            </a:r>
+            <a:r>
+              <a:rPr lang="zh-CN" altLang="en-US" sz="5400" b="1" dirty="0" smtClean="0">
                 <a:ea typeface="Microsoft JhengHei" panose="020B0604030504040204" pitchFamily="34" charset="-120"/>
               </a:rPr>
-              <a:t>天</a:t>
-            </a:r>
-            <a:r>
-              <a:rPr lang="zh-CN" altLang="en-US" sz="5400" b="1" smtClean="0">
-                <a:latin typeface="Microsoft JhengHei" panose="020B0604030504040204" pitchFamily="34" charset="-120"/>
+              <a:t>循循地教導我</a:t>
+            </a:r>
+            <a:endParaRPr lang="en-US" altLang="zh-CN" sz="5400" b="1" dirty="0" smtClean="0">
+              <a:ea typeface="Microsoft JhengHei" panose="020B0604030504040204" pitchFamily="34" charset="-120"/>
+            </a:endParaRPr>
+          </a:p>
+          <a:p>
+            <a:pPr marL="0" indent="0" algn="ctr">
+              <a:buNone/>
+            </a:pPr>
+            <a:r>
+              <a:rPr lang="zh-CN" altLang="en-US" sz="5400" b="1" dirty="0">
                 <a:ea typeface="Microsoft JhengHei" panose="020B0604030504040204" pitchFamily="34" charset="-120"/>
               </a:rPr>
-              <a:t>天都足</a:t>
+              <a:t>謝</a:t>
             </a:r>
             <a:r>
               <a:rPr lang="zh-CN" altLang="en-US" sz="5400" b="1" dirty="0" smtClean="0">
-                <a:latin typeface="Microsoft JhengHei" panose="020B0604030504040204" pitchFamily="34" charset="-120"/>
                 <a:ea typeface="Microsoft JhengHei" panose="020B0604030504040204" pitchFamily="34" charset="-120"/>
               </a:rPr>
-              <a:t>夠</a:t>
+              <a:t>謝天父賜給我 </a:t>
             </a:r>
             <a:endParaRPr lang="en-US" altLang="zh-CN" sz="5400" b="1" dirty="0" smtClean="0">
-              <a:latin typeface="Microsoft JhengHei" panose="020B0604030504040204" pitchFamily="34" charset="-120"/>
               <a:ea typeface="Microsoft JhengHei" panose="020B0604030504040204" pitchFamily="34" charset="-120"/>
             </a:endParaRPr>
           </a:p>
@@ -3539,48 +3606,10 @@
               <a:buNone/>
             </a:pPr>
             <a:r>
-              <a:rPr lang="zh-CN" altLang="en-US" sz="5400" b="1" dirty="0">
-                <a:latin typeface="Microsoft JhengHei" panose="020B0604030504040204" pitchFamily="34" charset="-120"/>
+              <a:rPr lang="zh-CN" altLang="en-US" sz="5400" b="1" dirty="0" smtClean="0">
                 <a:ea typeface="Microsoft JhengHei" panose="020B0604030504040204" pitchFamily="34" charset="-120"/>
               </a:rPr>
-              <a:t>給</a:t>
-            </a:r>
-            <a:r>
-              <a:rPr lang="zh-CN" altLang="en-US" sz="5400" b="1" dirty="0" smtClean="0">
-                <a:latin typeface="Microsoft JhengHei" panose="020B0604030504040204" pitchFamily="34" charset="-120"/>
-                <a:ea typeface="Microsoft JhengHei" panose="020B0604030504040204" pitchFamily="34" charset="-120"/>
-              </a:rPr>
-              <a:t>我飽暖無擔憂</a:t>
-            </a:r>
-            <a:endParaRPr lang="en-US" altLang="zh-CN" sz="5400" b="1" dirty="0" smtClean="0">
-              <a:latin typeface="Microsoft JhengHei" panose="020B0604030504040204" pitchFamily="34" charset="-120"/>
-              <a:ea typeface="Microsoft JhengHei" panose="020B0604030504040204" pitchFamily="34" charset="-120"/>
-            </a:endParaRPr>
-          </a:p>
-          <a:p>
-            <a:pPr marL="0" indent="0" algn="ctr">
-              <a:buNone/>
-            </a:pPr>
-            <a:r>
-              <a:rPr lang="en-US" sz="5400" b="1" dirty="0" smtClean="0">
-                <a:latin typeface="Microsoft JhengHei" panose="020B0604030504040204" pitchFamily="34" charset="-120"/>
-                <a:ea typeface="Microsoft JhengHei" panose="020B0604030504040204" pitchFamily="34" charset="-120"/>
-              </a:rPr>
-              <a:t>OH </a:t>
-            </a:r>
-            <a:r>
-              <a:rPr lang="zh-CN" altLang="en-US" sz="5400" b="1" dirty="0">
-                <a:latin typeface="Microsoft JhengHei" panose="020B0604030504040204" pitchFamily="34" charset="-120"/>
-                <a:ea typeface="Microsoft JhengHei" panose="020B0604030504040204" pitchFamily="34" charset="-120"/>
-              </a:rPr>
-              <a:t>嗲</a:t>
-            </a:r>
-            <a:r>
-              <a:rPr lang="zh-CN" altLang="en-US" sz="5400" b="1" dirty="0" smtClean="0">
-                <a:latin typeface="Microsoft JhengHei" panose="020B0604030504040204" pitchFamily="34" charset="-120"/>
-                <a:ea typeface="Microsoft JhengHei" panose="020B0604030504040204" pitchFamily="34" charset="-120"/>
-              </a:rPr>
-              <a:t>地多謝你</a:t>
+              <a:t>爸媽無窮盡的愛</a:t>
             </a:r>
             <a:endParaRPr lang="vi-VN" sz="5400" b="1" dirty="0">
               <a:ea typeface="Microsoft JhengHei" panose="020B0604030504040204" pitchFamily="34" charset="-120"/>
@@ -3591,13 +3620,20 @@
     </p:spTree>
     <p:extLst>
       <p:ext uri="{BB962C8B-B14F-4D97-AF65-F5344CB8AC3E}">
-        <p14:creationId xmlns:p14="http://schemas.microsoft.com/office/powerpoint/2010/main" val="3127472612"/>
+        <p14:creationId xmlns:p14="http://schemas.microsoft.com/office/powerpoint/2010/main" xmlns="" val="1175010708"/>
       </p:ext>
     </p:extLst>
   </p:cSld>
   <p:clrMapOvr>
     <a:masterClrMapping/>
   </p:clrMapOvr>
+  <p:timing>
+    <p:tnLst>
+      <p:par>
+        <p:cTn id="1" dur="indefinite" restart="never" nodeType="tmRoot"/>
+      </p:par>
+    </p:tnLst>
+  </p:timing>
 </p:sld>
 </file>
 
@@ -3670,11 +3706,20 @@
             </a:pPr>
             <a:r>
               <a:rPr lang="zh-CN" altLang="en-US" sz="5400" b="1" dirty="0">
+                <a:latin typeface="Microsoft JhengHei" panose="020B0604030504040204" pitchFamily="34" charset="-120"/>
                 <a:ea typeface="Microsoft JhengHei" panose="020B0604030504040204" pitchFamily="34" charset="-120"/>
               </a:rPr>
-              <a:t>天天照料我  </a:t>
+              <a:t>一顆孝</a:t>
+            </a:r>
+            <a:r>
+              <a:rPr lang="zh-CN" altLang="en-US" sz="5400" b="1" dirty="0" smtClean="0">
+                <a:latin typeface="Microsoft JhengHei" panose="020B0604030504040204" pitchFamily="34" charset="-120"/>
+                <a:ea typeface="Microsoft JhengHei" panose="020B0604030504040204" pitchFamily="34" charset="-120"/>
+              </a:rPr>
+              <a:t>心為你存留</a:t>
             </a:r>
             <a:endParaRPr lang="en-US" altLang="zh-CN" sz="5400" b="1" dirty="0" smtClean="0">
+              <a:latin typeface="Microsoft JhengHei" panose="020B0604030504040204" pitchFamily="34" charset="-120"/>
               <a:ea typeface="Microsoft JhengHei" panose="020B0604030504040204" pitchFamily="34" charset="-120"/>
             </a:endParaRPr>
           </a:p>
@@ -3684,23 +3729,27 @@
             </a:pPr>
             <a:r>
               <a:rPr lang="zh-CN" altLang="en-US" sz="5400" b="1" dirty="0" smtClean="0">
+                <a:latin typeface="Microsoft JhengHei" panose="020B0604030504040204" pitchFamily="34" charset="-120"/>
                 <a:ea typeface="Microsoft JhengHei" panose="020B0604030504040204" pitchFamily="34" charset="-120"/>
               </a:rPr>
-              <a:t>每</a:t>
+              <a:t>只</a:t>
             </a:r>
             <a:r>
               <a:rPr lang="zh-CN" altLang="en-US" sz="5400" b="1" dirty="0">
+                <a:latin typeface="Microsoft JhengHei" panose="020B0604030504040204" pitchFamily="34" charset="-120"/>
                 <a:ea typeface="Microsoft JhengHei" panose="020B0604030504040204" pitchFamily="34" charset="-120"/>
               </a:rPr>
-              <a:t>日</a:t>
+              <a:t>祈</a:t>
             </a:r>
             <a:r>
               <a:rPr lang="zh-CN" altLang="en-US" sz="5400" b="1" dirty="0" smtClean="0">
+                <a:latin typeface="Microsoft JhengHei" panose="020B0604030504040204" pitchFamily="34" charset="-120"/>
                 <a:ea typeface="Microsoft JhengHei" panose="020B0604030504040204" pitchFamily="34" charset="-120"/>
               </a:rPr>
-              <a:t>循循地教導我</a:t>
+              <a:t>求雙親都多福蔭</a:t>
             </a:r>
             <a:endParaRPr lang="en-US" altLang="zh-CN" sz="5400" b="1" dirty="0" smtClean="0">
+              <a:latin typeface="Microsoft JhengHei" panose="020B0604030504040204" pitchFamily="34" charset="-120"/>
               <a:ea typeface="Microsoft JhengHei" panose="020B0604030504040204" pitchFamily="34" charset="-120"/>
             </a:endParaRPr>
           </a:p>
@@ -3709,30 +3758,55 @@
               <a:buNone/>
             </a:pPr>
             <a:r>
-              <a:rPr lang="zh-CN" altLang="en-US" sz="5400" b="1" dirty="0">
+              <a:rPr lang="zh-CN" altLang="en-US" sz="5400" b="1" dirty="0" smtClean="0">
+                <a:latin typeface="Microsoft JhengHei" panose="020B0604030504040204" pitchFamily="34" charset="-120"/>
                 <a:ea typeface="Microsoft JhengHei" panose="020B0604030504040204" pitchFamily="34" charset="-120"/>
               </a:rPr>
-              <a:t>謝</a:t>
-            </a:r>
-            <a:r>
-              <a:rPr lang="zh-CN" altLang="en-US" sz="5400" b="1" dirty="0" smtClean="0">
+              <a:t>准我給你說一聲</a:t>
+            </a:r>
+            <a:endParaRPr lang="en-US" altLang="zh-CN" sz="5400" b="1" dirty="0" smtClean="0">
+              <a:latin typeface="Microsoft JhengHei" panose="020B0604030504040204" pitchFamily="34" charset="-120"/>
+              <a:ea typeface="Microsoft JhengHei" panose="020B0604030504040204" pitchFamily="34" charset="-120"/>
+            </a:endParaRPr>
+          </a:p>
+          <a:p>
+            <a:pPr marL="0" indent="0" algn="ctr">
+              <a:buNone/>
+            </a:pPr>
+            <a:r>
+              <a:rPr lang="en-US" sz="5400" b="1" dirty="0" smtClean="0">
+                <a:latin typeface="Microsoft JhengHei" panose="020B0604030504040204" pitchFamily="34" charset="-120"/>
                 <a:ea typeface="Microsoft JhengHei" panose="020B0604030504040204" pitchFamily="34" charset="-120"/>
               </a:rPr>
-              <a:t>謝天父賜給我 </a:t>
-            </a:r>
-            <a:endParaRPr lang="en-US" altLang="zh-CN" sz="5400" b="1" dirty="0" smtClean="0">
-              <a:ea typeface="Microsoft JhengHei" panose="020B0604030504040204" pitchFamily="34" charset="-120"/>
-            </a:endParaRPr>
-          </a:p>
-          <a:p>
-            <a:pPr marL="0" indent="0" algn="ctr">
-              <a:buNone/>
-            </a:pPr>
-            <a:r>
-              <a:rPr lang="zh-CN" altLang="en-US" sz="5400" b="1" dirty="0" smtClean="0">
+              <a:t>OH </a:t>
+            </a:r>
+            <a:r>
+              <a:rPr lang="zh-CN" altLang="en-US" sz="5400" b="1" dirty="0">
+                <a:latin typeface="Microsoft JhengHei" panose="020B0604030504040204" pitchFamily="34" charset="-120"/>
                 <a:ea typeface="Microsoft JhengHei" panose="020B0604030504040204" pitchFamily="34" charset="-120"/>
               </a:rPr>
-              <a:t>爸媽無窮盡的愛</a:t>
+              <a:t>嗲</a:t>
+            </a:r>
+            <a:r>
+              <a:rPr lang="zh-CN" altLang="en-US" sz="5400" b="1" dirty="0" smtClean="0">
+                <a:latin typeface="Microsoft JhengHei" panose="020B0604030504040204" pitchFamily="34" charset="-120"/>
+                <a:ea typeface="Microsoft JhengHei" panose="020B0604030504040204" pitchFamily="34" charset="-120"/>
+              </a:rPr>
+              <a:t>地</a:t>
+            </a:r>
+            <a:r>
+              <a:rPr lang="zh-CN" altLang="en-US" sz="5400" b="1" dirty="0">
+                <a:latin typeface="Microsoft JhengHei" panose="020B0604030504040204" pitchFamily="34" charset="-120"/>
+                <a:ea typeface="Microsoft JhengHei" panose="020B0604030504040204" pitchFamily="34" charset="-120"/>
+              </a:rPr>
+              <a:t>媽咪</a:t>
+            </a:r>
+            <a:r>
+              <a:rPr lang="zh-CN" altLang="en-US" sz="5400" b="1" dirty="0" smtClean="0">
+                <a:latin typeface="Microsoft JhengHei" panose="020B0604030504040204" pitchFamily="34" charset="-120"/>
+                <a:ea typeface="Microsoft JhengHei" panose="020B0604030504040204" pitchFamily="34" charset="-120"/>
+              </a:rPr>
+              <a:t>多謝你</a:t>
             </a:r>
             <a:endParaRPr lang="vi-VN" sz="5400" b="1" dirty="0">
               <a:ea typeface="Microsoft JhengHei" panose="020B0604030504040204" pitchFamily="34" charset="-120"/>
@@ -3743,355 +3817,20 @@
     </p:spTree>
     <p:extLst>
       <p:ext uri="{BB962C8B-B14F-4D97-AF65-F5344CB8AC3E}">
-        <p14:creationId xmlns:p14="http://schemas.microsoft.com/office/powerpoint/2010/main" val="1175010708"/>
+        <p14:creationId xmlns:p14="http://schemas.microsoft.com/office/powerpoint/2010/main" xmlns="" val="3732530563"/>
       </p:ext>
     </p:extLst>
   </p:cSld>
   <p:clrMapOvr>
     <a:masterClrMapping/>
   </p:clrMapOvr>
-</p:sld>
-</file>
-
-<file path=ppt/slides/slide5.xml><?xml version="1.0" encoding="utf-8"?>
-<p:sld xmlns:a="http://schemas.openxmlformats.org/drawingml/2006/main" xmlns:r="http://schemas.openxmlformats.org/officeDocument/2006/relationships" xmlns:p="http://schemas.openxmlformats.org/presentationml/2006/main">
-  <p:cSld>
-    <p:spTree>
-      <p:nvGrpSpPr>
-        <p:cNvPr id="1" name=""/>
-        <p:cNvGrpSpPr/>
-        <p:nvPr/>
-      </p:nvGrpSpPr>
-      <p:grpSpPr>
-        <a:xfrm>
-          <a:off x="0" y="0"/>
-          <a:ext cx="0" cy="0"/>
-          <a:chOff x="0" y="0"/>
-          <a:chExt cx="0" cy="0"/>
-        </a:xfrm>
-      </p:grpSpPr>
-      <p:sp>
-        <p:nvSpPr>
-          <p:cNvPr id="2" name="Title 1"/>
-          <p:cNvSpPr>
-            <a:spLocks noGrp="1"/>
-          </p:cNvSpPr>
-          <p:nvPr>
-            <p:ph type="title"/>
-          </p:nvPr>
-        </p:nvSpPr>
-        <p:spPr/>
-        <p:txBody>
-          <a:bodyPr>
-            <a:normAutofit/>
-          </a:bodyPr>
-          <a:lstStyle/>
-          <a:p>
-            <a:r>
-              <a:rPr lang="zh-CN" altLang="en-US" sz="4800" b="1" dirty="0">
-                <a:latin typeface="Microsoft JhengHei" panose="020B0604030504040204" pitchFamily="34" charset="-120"/>
-                <a:ea typeface="Microsoft JhengHei" panose="020B0604030504040204" pitchFamily="34" charset="-120"/>
-              </a:rPr>
-              <a:t>爸媽我愛您</a:t>
-            </a:r>
-            <a:endParaRPr lang="vi-VN" sz="4800" b="1" dirty="0">
-              <a:ea typeface="Microsoft JhengHei" panose="020B0604030504040204" pitchFamily="34" charset="-120"/>
-            </a:endParaRPr>
-          </a:p>
-        </p:txBody>
-      </p:sp>
-      <p:sp>
-        <p:nvSpPr>
-          <p:cNvPr id="3" name="Content Placeholder 2"/>
-          <p:cNvSpPr>
-            <a:spLocks noGrp="1"/>
-          </p:cNvSpPr>
-          <p:nvPr>
-            <p:ph idx="1"/>
-          </p:nvPr>
-        </p:nvSpPr>
-        <p:spPr/>
-        <p:txBody>
-          <a:bodyPr>
-            <a:normAutofit/>
-          </a:bodyPr>
-          <a:lstStyle/>
-          <a:p>
-            <a:pPr marL="0" indent="0" algn="ctr">
-              <a:buNone/>
-            </a:pPr>
-            <a:r>
-              <a:rPr lang="zh-CN" altLang="en-US" sz="5400" b="1" dirty="0">
-                <a:latin typeface="Microsoft JhengHei" panose="020B0604030504040204" pitchFamily="34" charset="-120"/>
-                <a:ea typeface="Microsoft JhengHei" panose="020B0604030504040204" pitchFamily="34" charset="-120"/>
-              </a:rPr>
-              <a:t>一顆孝</a:t>
-            </a:r>
-            <a:r>
-              <a:rPr lang="zh-CN" altLang="en-US" sz="5400" b="1" dirty="0" smtClean="0">
-                <a:latin typeface="Microsoft JhengHei" panose="020B0604030504040204" pitchFamily="34" charset="-120"/>
-                <a:ea typeface="Microsoft JhengHei" panose="020B0604030504040204" pitchFamily="34" charset="-120"/>
-              </a:rPr>
-              <a:t>心為你存留</a:t>
-            </a:r>
-            <a:endParaRPr lang="en-US" altLang="zh-CN" sz="5400" b="1" dirty="0" smtClean="0">
-              <a:latin typeface="Microsoft JhengHei" panose="020B0604030504040204" pitchFamily="34" charset="-120"/>
-              <a:ea typeface="Microsoft JhengHei" panose="020B0604030504040204" pitchFamily="34" charset="-120"/>
-            </a:endParaRPr>
-          </a:p>
-          <a:p>
-            <a:pPr marL="0" indent="0" algn="ctr">
-              <a:buNone/>
-            </a:pPr>
-            <a:r>
-              <a:rPr lang="zh-CN" altLang="en-US" sz="5400" b="1" dirty="0" smtClean="0">
-                <a:latin typeface="Microsoft JhengHei" panose="020B0604030504040204" pitchFamily="34" charset="-120"/>
-                <a:ea typeface="Microsoft JhengHei" panose="020B0604030504040204" pitchFamily="34" charset="-120"/>
-              </a:rPr>
-              <a:t>只</a:t>
-            </a:r>
-            <a:r>
-              <a:rPr lang="zh-CN" altLang="en-US" sz="5400" b="1" dirty="0">
-                <a:latin typeface="Microsoft JhengHei" panose="020B0604030504040204" pitchFamily="34" charset="-120"/>
-                <a:ea typeface="Microsoft JhengHei" panose="020B0604030504040204" pitchFamily="34" charset="-120"/>
-              </a:rPr>
-              <a:t>祈</a:t>
-            </a:r>
-            <a:r>
-              <a:rPr lang="zh-CN" altLang="en-US" sz="5400" b="1" dirty="0" smtClean="0">
-                <a:latin typeface="Microsoft JhengHei" panose="020B0604030504040204" pitchFamily="34" charset="-120"/>
-                <a:ea typeface="Microsoft JhengHei" panose="020B0604030504040204" pitchFamily="34" charset="-120"/>
-              </a:rPr>
-              <a:t>求雙親都多福蔭</a:t>
-            </a:r>
-            <a:endParaRPr lang="en-US" altLang="zh-CN" sz="5400" b="1" dirty="0" smtClean="0">
-              <a:latin typeface="Microsoft JhengHei" panose="020B0604030504040204" pitchFamily="34" charset="-120"/>
-              <a:ea typeface="Microsoft JhengHei" panose="020B0604030504040204" pitchFamily="34" charset="-120"/>
-            </a:endParaRPr>
-          </a:p>
-          <a:p>
-            <a:pPr marL="0" indent="0" algn="ctr">
-              <a:buNone/>
-            </a:pPr>
-            <a:r>
-              <a:rPr lang="zh-CN" altLang="en-US" sz="5400" b="1" dirty="0" smtClean="0">
-                <a:latin typeface="Microsoft JhengHei" panose="020B0604030504040204" pitchFamily="34" charset="-120"/>
-                <a:ea typeface="Microsoft JhengHei" panose="020B0604030504040204" pitchFamily="34" charset="-120"/>
-              </a:rPr>
-              <a:t>准我給你說一聲</a:t>
-            </a:r>
-            <a:endParaRPr lang="en-US" altLang="zh-CN" sz="5400" b="1" dirty="0" smtClean="0">
-              <a:latin typeface="Microsoft JhengHei" panose="020B0604030504040204" pitchFamily="34" charset="-120"/>
-              <a:ea typeface="Microsoft JhengHei" panose="020B0604030504040204" pitchFamily="34" charset="-120"/>
-            </a:endParaRPr>
-          </a:p>
-          <a:p>
-            <a:pPr marL="0" indent="0" algn="ctr">
-              <a:buNone/>
-            </a:pPr>
-            <a:r>
-              <a:rPr lang="en-US" sz="5400" b="1" dirty="0" smtClean="0">
-                <a:latin typeface="Microsoft JhengHei" panose="020B0604030504040204" pitchFamily="34" charset="-120"/>
-                <a:ea typeface="Microsoft JhengHei" panose="020B0604030504040204" pitchFamily="34" charset="-120"/>
-              </a:rPr>
-              <a:t>OH </a:t>
-            </a:r>
-            <a:r>
-              <a:rPr lang="zh-CN" altLang="en-US" sz="5400" b="1" dirty="0">
-                <a:latin typeface="Microsoft JhengHei" panose="020B0604030504040204" pitchFamily="34" charset="-120"/>
-                <a:ea typeface="Microsoft JhengHei" panose="020B0604030504040204" pitchFamily="34" charset="-120"/>
-              </a:rPr>
-              <a:t>嗲</a:t>
-            </a:r>
-            <a:r>
-              <a:rPr lang="zh-CN" altLang="en-US" sz="5400" b="1" dirty="0" smtClean="0">
-                <a:latin typeface="Microsoft JhengHei" panose="020B0604030504040204" pitchFamily="34" charset="-120"/>
-                <a:ea typeface="Microsoft JhengHei" panose="020B0604030504040204" pitchFamily="34" charset="-120"/>
-              </a:rPr>
-              <a:t>地</a:t>
-            </a:r>
-            <a:r>
-              <a:rPr lang="zh-CN" altLang="en-US" sz="5400" b="1" dirty="0">
-                <a:latin typeface="Microsoft JhengHei" panose="020B0604030504040204" pitchFamily="34" charset="-120"/>
-                <a:ea typeface="Microsoft JhengHei" panose="020B0604030504040204" pitchFamily="34" charset="-120"/>
-              </a:rPr>
-              <a:t>媽咪</a:t>
-            </a:r>
-            <a:r>
-              <a:rPr lang="zh-CN" altLang="en-US" sz="5400" b="1" dirty="0" smtClean="0">
-                <a:latin typeface="Microsoft JhengHei" panose="020B0604030504040204" pitchFamily="34" charset="-120"/>
-                <a:ea typeface="Microsoft JhengHei" panose="020B0604030504040204" pitchFamily="34" charset="-120"/>
-              </a:rPr>
-              <a:t>多謝你</a:t>
-            </a:r>
-            <a:endParaRPr lang="vi-VN" sz="5400" b="1" dirty="0">
-              <a:ea typeface="Microsoft JhengHei" panose="020B0604030504040204" pitchFamily="34" charset="-120"/>
-            </a:endParaRPr>
-          </a:p>
-        </p:txBody>
-      </p:sp>
-    </p:spTree>
-    <p:extLst>
-      <p:ext uri="{BB962C8B-B14F-4D97-AF65-F5344CB8AC3E}">
-        <p14:creationId xmlns:p14="http://schemas.microsoft.com/office/powerpoint/2010/main" val="3732530563"/>
-      </p:ext>
-    </p:extLst>
-  </p:cSld>
-  <p:clrMapOvr>
-    <a:masterClrMapping/>
-  </p:clrMapOvr>
-</p:sld>
-</file>
-
-<file path=ppt/slides/slide6.xml><?xml version="1.0" encoding="utf-8"?>
-<p:sld xmlns:a="http://schemas.openxmlformats.org/drawingml/2006/main" xmlns:r="http://schemas.openxmlformats.org/officeDocument/2006/relationships" xmlns:p="http://schemas.openxmlformats.org/presentationml/2006/main">
-  <p:cSld>
-    <p:spTree>
-      <p:nvGrpSpPr>
-        <p:cNvPr id="1" name=""/>
-        <p:cNvGrpSpPr/>
-        <p:nvPr/>
-      </p:nvGrpSpPr>
-      <p:grpSpPr>
-        <a:xfrm>
-          <a:off x="0" y="0"/>
-          <a:ext cx="0" cy="0"/>
-          <a:chOff x="0" y="0"/>
-          <a:chExt cx="0" cy="0"/>
-        </a:xfrm>
-      </p:grpSpPr>
-      <p:sp>
-        <p:nvSpPr>
-          <p:cNvPr id="2" name="Title 1"/>
-          <p:cNvSpPr>
-            <a:spLocks noGrp="1"/>
-          </p:cNvSpPr>
-          <p:nvPr>
-            <p:ph type="title"/>
-          </p:nvPr>
-        </p:nvSpPr>
-        <p:spPr/>
-        <p:txBody>
-          <a:bodyPr>
-            <a:normAutofit/>
-          </a:bodyPr>
-          <a:lstStyle/>
-          <a:p>
-            <a:r>
-              <a:rPr lang="zh-CN" altLang="en-US" sz="4800" b="1" dirty="0">
-                <a:latin typeface="Microsoft JhengHei" panose="020B0604030504040204" pitchFamily="34" charset="-120"/>
-                <a:ea typeface="Microsoft JhengHei" panose="020B0604030504040204" pitchFamily="34" charset="-120"/>
-              </a:rPr>
-              <a:t>爸媽我愛您</a:t>
-            </a:r>
-            <a:endParaRPr lang="vi-VN" sz="4800" b="1" dirty="0">
-              <a:ea typeface="Microsoft JhengHei" panose="020B0604030504040204" pitchFamily="34" charset="-120"/>
-            </a:endParaRPr>
-          </a:p>
-        </p:txBody>
-      </p:sp>
-      <p:sp>
-        <p:nvSpPr>
-          <p:cNvPr id="3" name="Content Placeholder 2"/>
-          <p:cNvSpPr>
-            <a:spLocks noGrp="1"/>
-          </p:cNvSpPr>
-          <p:nvPr>
-            <p:ph idx="1"/>
-          </p:nvPr>
-        </p:nvSpPr>
-        <p:spPr/>
-        <p:txBody>
-          <a:bodyPr>
-            <a:normAutofit/>
-          </a:bodyPr>
-          <a:lstStyle/>
-          <a:p>
-            <a:pPr marL="0" indent="0" algn="ctr">
-              <a:buNone/>
-            </a:pPr>
-            <a:r>
-              <a:rPr lang="zh-CN" altLang="en-US" sz="5400" b="1" dirty="0">
-                <a:ea typeface="Microsoft JhengHei" panose="020B0604030504040204" pitchFamily="34" charset="-120"/>
-              </a:rPr>
-              <a:t>天天照料我  </a:t>
-            </a:r>
-            <a:endParaRPr lang="en-US" altLang="zh-CN" sz="5400" b="1" dirty="0" smtClean="0">
-              <a:ea typeface="Microsoft JhengHei" panose="020B0604030504040204" pitchFamily="34" charset="-120"/>
-            </a:endParaRPr>
-          </a:p>
-          <a:p>
-            <a:pPr marL="0" indent="0" algn="ctr">
-              <a:buNone/>
-            </a:pPr>
-            <a:r>
-              <a:rPr lang="zh-CN" altLang="en-US" sz="5400" b="1" dirty="0" smtClean="0">
-                <a:ea typeface="Microsoft JhengHei" panose="020B0604030504040204" pitchFamily="34" charset="-120"/>
-              </a:rPr>
-              <a:t>每</a:t>
-            </a:r>
-            <a:r>
-              <a:rPr lang="zh-CN" altLang="en-US" sz="5400" b="1" dirty="0">
-                <a:ea typeface="Microsoft JhengHei" panose="020B0604030504040204" pitchFamily="34" charset="-120"/>
-              </a:rPr>
-              <a:t>日</a:t>
-            </a:r>
-            <a:r>
-              <a:rPr lang="zh-CN" altLang="en-US" sz="5400" b="1" dirty="0" smtClean="0">
-                <a:ea typeface="Microsoft JhengHei" panose="020B0604030504040204" pitchFamily="34" charset="-120"/>
-              </a:rPr>
-              <a:t>循循地教導我</a:t>
-            </a:r>
-            <a:endParaRPr lang="en-US" altLang="zh-CN" sz="5400" b="1" dirty="0" smtClean="0">
-              <a:ea typeface="Microsoft JhengHei" panose="020B0604030504040204" pitchFamily="34" charset="-120"/>
-            </a:endParaRPr>
-          </a:p>
-          <a:p>
-            <a:pPr marL="0" indent="0" algn="ctr">
-              <a:buNone/>
-            </a:pPr>
-            <a:r>
-              <a:rPr lang="zh-CN" altLang="en-US" sz="5400" b="1" dirty="0">
-                <a:ea typeface="Microsoft JhengHei" panose="020B0604030504040204" pitchFamily="34" charset="-120"/>
-              </a:rPr>
-              <a:t>謝</a:t>
-            </a:r>
-            <a:r>
-              <a:rPr lang="zh-CN" altLang="en-US" sz="5400" b="1" dirty="0" smtClean="0">
-                <a:ea typeface="Microsoft JhengHei" panose="020B0604030504040204" pitchFamily="34" charset="-120"/>
-              </a:rPr>
-              <a:t>謝天父賜給我 </a:t>
-            </a:r>
-            <a:endParaRPr lang="en-US" altLang="zh-CN" sz="5400" b="1" dirty="0" smtClean="0">
-              <a:ea typeface="Microsoft JhengHei" panose="020B0604030504040204" pitchFamily="34" charset="-120"/>
-            </a:endParaRPr>
-          </a:p>
-          <a:p>
-            <a:pPr marL="0" indent="0" algn="ctr">
-              <a:buNone/>
-            </a:pPr>
-            <a:r>
-              <a:rPr lang="zh-CN" altLang="en-US" sz="5400" b="1" dirty="0" smtClean="0">
-                <a:ea typeface="Microsoft JhengHei" panose="020B0604030504040204" pitchFamily="34" charset="-120"/>
-              </a:rPr>
-              <a:t>爸媽無窮盡的愛</a:t>
-            </a:r>
-            <a:endParaRPr lang="vi-VN" sz="5400" b="1" dirty="0">
-              <a:ea typeface="Microsoft JhengHei" panose="020B0604030504040204" pitchFamily="34" charset="-120"/>
-            </a:endParaRPr>
-          </a:p>
-        </p:txBody>
-      </p:sp>
-    </p:spTree>
-    <p:extLst>
-      <p:ext uri="{BB962C8B-B14F-4D97-AF65-F5344CB8AC3E}">
-        <p14:creationId xmlns:p14="http://schemas.microsoft.com/office/powerpoint/2010/main" val="746720463"/>
-      </p:ext>
-    </p:extLst>
-  </p:cSld>
-  <p:clrMapOvr>
-    <a:masterClrMapping/>
-  </p:clrMapOvr>
+  <p:timing>
+    <p:tnLst>
+      <p:par>
+        <p:cTn id="1" dur="indefinite" restart="never" nodeType="tmRoot"/>
+      </p:par>
+    </p:tnLst>
+  </p:timing>
 </p:sld>
 </file>
 
@@ -4377,7 +4116,7 @@
   <a:extraClrSchemeLst/>
   <a:extLst>
     <a:ext uri="{05A4C25C-085E-4340-85A3-A5531E510DB2}">
-      <thm15:themeFamily xmlns:thm15="http://schemas.microsoft.com/office/thememl/2012/main" name="Theme1" id="{AFC7C034-021A-479F-A5B0-F4AE2AC2A6F8}" vid="{E4B01A5C-7C0B-4AB8-8973-047186F18E30}"/>
+      <thm15:themeFamily xmlns:thm15="http://schemas.microsoft.com/office/thememl/2012/main" xmlns="" name="Theme1" id="{AFC7C034-021A-479F-A5B0-F4AE2AC2A6F8}" vid="{E4B01A5C-7C0B-4AB8-8973-047186F18E30}"/>
     </a:ext>
   </a:extLst>
 </a:theme>
